--- a/exercises/point-to-point-exercise.pptx
+++ b/exercises/point-to-point-exercise.pptx
@@ -5,7 +5,7 @@
     <p:sldMasterId id="2147483648" r:id="rId1"/>
   </p:sldMasterIdLst>
   <p:notesMasterIdLst>
-    <p:notesMasterId r:id="rId14"/>
+    <p:notesMasterId r:id="rId19"/>
   </p:notesMasterIdLst>
   <p:sldIdLst>
     <p:sldId id="256" r:id="rId2"/>
@@ -20,6 +20,11 @@
     <p:sldId id="265" r:id="rId11"/>
     <p:sldId id="266" r:id="rId12"/>
     <p:sldId id="267" r:id="rId13"/>
+    <p:sldId id="268" r:id="rId14"/>
+    <p:sldId id="270" r:id="rId15"/>
+    <p:sldId id="271" r:id="rId16"/>
+    <p:sldId id="269" r:id="rId17"/>
+    <p:sldId id="272" r:id="rId18"/>
   </p:sldIdLst>
   <p:sldSz cx="12192000" cy="6858000"/>
   <p:notesSz cx="6858000" cy="9144000"/>
@@ -118,6 +123,11 @@
       </a:defRPr>
     </a:lvl9pPr>
   </p:defaultTextStyle>
+  <p:extLst>
+    <p:ext uri="{EFAFB233-063F-42B5-8137-9DF3F51BA10A}">
+      <p15:sldGuideLst xmlns:p15="http://schemas.microsoft.com/office/powerpoint/2012/main"/>
+    </p:ext>
+  </p:extLst>
 </p:presentation>
 </file>
 
@@ -203,7 +213,7 @@
           <a:p>
             <a:fld id="{A91DE5F0-5203-C241-9486-975D46CAB375}" type="datetimeFigureOut">
               <a:rPr lang="en-US" smtClean="0"/>
-              <a:t>6/7/20</a:t>
+              <a:t>1/27/24</a:t>
             </a:fld>
             <a:endParaRPr lang="en-US"/>
           </a:p>
@@ -704,7 +714,7 @@
           <a:p>
             <a:fld id="{11332423-8DBC-CD4E-824C-2728E5C37B86}" type="datetimeFigureOut">
               <a:rPr lang="en-US" smtClean="0"/>
-              <a:t>6/7/20</a:t>
+              <a:t>1/27/24</a:t>
             </a:fld>
             <a:endParaRPr lang="en-US"/>
           </a:p>
@@ -904,7 +914,7 @@
           <a:p>
             <a:fld id="{11332423-8DBC-CD4E-824C-2728E5C37B86}" type="datetimeFigureOut">
               <a:rPr lang="en-US" smtClean="0"/>
-              <a:t>6/7/20</a:t>
+              <a:t>1/27/24</a:t>
             </a:fld>
             <a:endParaRPr lang="en-US"/>
           </a:p>
@@ -1114,7 +1124,7 @@
           <a:p>
             <a:fld id="{11332423-8DBC-CD4E-824C-2728E5C37B86}" type="datetimeFigureOut">
               <a:rPr lang="en-US" smtClean="0"/>
-              <a:t>6/7/20</a:t>
+              <a:t>1/27/24</a:t>
             </a:fld>
             <a:endParaRPr lang="en-US"/>
           </a:p>
@@ -1314,7 +1324,7 @@
           <a:p>
             <a:fld id="{11332423-8DBC-CD4E-824C-2728E5C37B86}" type="datetimeFigureOut">
               <a:rPr lang="en-US" smtClean="0"/>
-              <a:t>6/7/20</a:t>
+              <a:t>1/27/24</a:t>
             </a:fld>
             <a:endParaRPr lang="en-US"/>
           </a:p>
@@ -1590,7 +1600,7 @@
           <a:p>
             <a:fld id="{11332423-8DBC-CD4E-824C-2728E5C37B86}" type="datetimeFigureOut">
               <a:rPr lang="en-US" smtClean="0"/>
-              <a:t>6/7/20</a:t>
+              <a:t>1/27/24</a:t>
             </a:fld>
             <a:endParaRPr lang="en-US"/>
           </a:p>
@@ -1858,7 +1868,7 @@
           <a:p>
             <a:fld id="{11332423-8DBC-CD4E-824C-2728E5C37B86}" type="datetimeFigureOut">
               <a:rPr lang="en-US" smtClean="0"/>
-              <a:t>6/7/20</a:t>
+              <a:t>1/27/24</a:t>
             </a:fld>
             <a:endParaRPr lang="en-US"/>
           </a:p>
@@ -2273,7 +2283,7 @@
           <a:p>
             <a:fld id="{11332423-8DBC-CD4E-824C-2728E5C37B86}" type="datetimeFigureOut">
               <a:rPr lang="en-US" smtClean="0"/>
-              <a:t>6/7/20</a:t>
+              <a:t>1/27/24</a:t>
             </a:fld>
             <a:endParaRPr lang="en-US"/>
           </a:p>
@@ -2415,7 +2425,7 @@
           <a:p>
             <a:fld id="{11332423-8DBC-CD4E-824C-2728E5C37B86}" type="datetimeFigureOut">
               <a:rPr lang="en-US" smtClean="0"/>
-              <a:t>6/7/20</a:t>
+              <a:t>1/27/24</a:t>
             </a:fld>
             <a:endParaRPr lang="en-US"/>
           </a:p>
@@ -2528,7 +2538,7 @@
           <a:p>
             <a:fld id="{11332423-8DBC-CD4E-824C-2728E5C37B86}" type="datetimeFigureOut">
               <a:rPr lang="en-US" smtClean="0"/>
-              <a:t>6/7/20</a:t>
+              <a:t>1/27/24</a:t>
             </a:fld>
             <a:endParaRPr lang="en-US"/>
           </a:p>
@@ -2841,7 +2851,7 @@
           <a:p>
             <a:fld id="{11332423-8DBC-CD4E-824C-2728E5C37B86}" type="datetimeFigureOut">
               <a:rPr lang="en-US" smtClean="0"/>
-              <a:t>6/7/20</a:t>
+              <a:t>1/27/24</a:t>
             </a:fld>
             <a:endParaRPr lang="en-US"/>
           </a:p>
@@ -3130,7 +3140,7 @@
           <a:p>
             <a:fld id="{11332423-8DBC-CD4E-824C-2728E5C37B86}" type="datetimeFigureOut">
               <a:rPr lang="en-US" smtClean="0"/>
-              <a:t>6/7/20</a:t>
+              <a:t>1/27/24</a:t>
             </a:fld>
             <a:endParaRPr lang="en-US"/>
           </a:p>
@@ -3373,7 +3383,7 @@
           <a:p>
             <a:fld id="{11332423-8DBC-CD4E-824C-2728E5C37B86}" type="datetimeFigureOut">
               <a:rPr lang="en-US" smtClean="0"/>
-              <a:t>6/7/20</a:t>
+              <a:t>1/27/24</a:t>
             </a:fld>
             <a:endParaRPr lang="en-US"/>
           </a:p>
@@ -4337,6 +4347,779 @@
     <p:extLst>
       <p:ext uri="{BB962C8B-B14F-4D97-AF65-F5344CB8AC3E}">
         <p14:creationId xmlns:p14="http://schemas.microsoft.com/office/powerpoint/2010/main" val="3243633345"/>
+      </p:ext>
+    </p:extLst>
+  </p:cSld>
+  <p:clrMapOvr>
+    <a:masterClrMapping/>
+  </p:clrMapOvr>
+</p:sld>
+</file>
+
+<file path=ppt/slides/slide13.xml><?xml version="1.0" encoding="utf-8"?>
+<p:sld xmlns:a="http://schemas.openxmlformats.org/drawingml/2006/main" xmlns:r="http://schemas.openxmlformats.org/officeDocument/2006/relationships" xmlns:p="http://schemas.openxmlformats.org/presentationml/2006/main">
+  <p:cSld>
+    <p:spTree>
+      <p:nvGrpSpPr>
+        <p:cNvPr id="1" name=""/>
+        <p:cNvGrpSpPr/>
+        <p:nvPr/>
+      </p:nvGrpSpPr>
+      <p:grpSpPr>
+        <a:xfrm>
+          <a:off x="0" y="0"/>
+          <a:ext cx="0" cy="0"/>
+          <a:chOff x="0" y="0"/>
+          <a:chExt cx="0" cy="0"/>
+        </a:xfrm>
+      </p:grpSpPr>
+      <p:sp>
+        <p:nvSpPr>
+          <p:cNvPr id="2" name="Title 1">
+            <a:extLst>
+              <a:ext uri="{FF2B5EF4-FFF2-40B4-BE49-F238E27FC236}">
+                <a16:creationId xmlns:a16="http://schemas.microsoft.com/office/drawing/2014/main" id="{6903090A-A2F8-3245-83D2-906C40387AE6}"/>
+              </a:ext>
+            </a:extLst>
+          </p:cNvPr>
+          <p:cNvSpPr>
+            <a:spLocks noGrp="1"/>
+          </p:cNvSpPr>
+          <p:nvPr>
+            <p:ph type="title"/>
+          </p:nvPr>
+        </p:nvSpPr>
+        <p:spPr>
+          <a:xfrm>
+            <a:off x="920393" y="2820650"/>
+            <a:ext cx="10515600" cy="1019317"/>
+          </a:xfrm>
+        </p:spPr>
+        <p:txBody>
+          <a:bodyPr/>
+          <a:lstStyle/>
+          <a:p>
+            <a:pPr algn="ctr"/>
+            <a:r>
+              <a:rPr lang="en-US" dirty="0"/>
+              <a:t>Java</a:t>
+            </a:r>
+          </a:p>
+        </p:txBody>
+      </p:sp>
+    </p:spTree>
+    <p:extLst>
+      <p:ext uri="{BB962C8B-B14F-4D97-AF65-F5344CB8AC3E}">
+        <p14:creationId xmlns:p14="http://schemas.microsoft.com/office/powerpoint/2010/main" val="2024937394"/>
+      </p:ext>
+    </p:extLst>
+  </p:cSld>
+  <p:clrMapOvr>
+    <a:masterClrMapping/>
+  </p:clrMapOvr>
+</p:sld>
+</file>
+
+<file path=ppt/slides/slide14.xml><?xml version="1.0" encoding="utf-8"?>
+<p:sld xmlns:a="http://schemas.openxmlformats.org/drawingml/2006/main" xmlns:r="http://schemas.openxmlformats.org/officeDocument/2006/relationships" xmlns:p="http://schemas.openxmlformats.org/presentationml/2006/main">
+  <p:cSld>
+    <p:spTree>
+      <p:nvGrpSpPr>
+        <p:cNvPr id="1" name=""/>
+        <p:cNvGrpSpPr/>
+        <p:nvPr/>
+      </p:nvGrpSpPr>
+      <p:grpSpPr>
+        <a:xfrm>
+          <a:off x="0" y="0"/>
+          <a:ext cx="0" cy="0"/>
+          <a:chOff x="0" y="0"/>
+          <a:chExt cx="0" cy="0"/>
+        </a:xfrm>
+      </p:grpSpPr>
+      <p:pic>
+        <p:nvPicPr>
+          <p:cNvPr id="5" name="Picture 4">
+            <a:extLst>
+              <a:ext uri="{FF2B5EF4-FFF2-40B4-BE49-F238E27FC236}">
+                <a16:creationId xmlns:a16="http://schemas.microsoft.com/office/drawing/2014/main" id="{5FDC785B-FDBE-2C1D-53FC-FDFB22D9D5C1}"/>
+              </a:ext>
+            </a:extLst>
+          </p:cNvPr>
+          <p:cNvPicPr>
+            <a:picLocks noChangeAspect="1"/>
+          </p:cNvPicPr>
+          <p:nvPr/>
+        </p:nvPicPr>
+        <p:blipFill>
+          <a:blip r:embed="rId2"/>
+          <a:stretch>
+            <a:fillRect/>
+          </a:stretch>
+        </p:blipFill>
+        <p:spPr>
+          <a:xfrm>
+            <a:off x="685799" y="984249"/>
+            <a:ext cx="10483541" cy="4737281"/>
+          </a:xfrm>
+          <a:prstGeom prst="rect">
+            <a:avLst/>
+          </a:prstGeom>
+        </p:spPr>
+      </p:pic>
+      <p:sp>
+        <p:nvSpPr>
+          <p:cNvPr id="6" name="Line Callout 1 5">
+            <a:extLst>
+              <a:ext uri="{FF2B5EF4-FFF2-40B4-BE49-F238E27FC236}">
+                <a16:creationId xmlns:a16="http://schemas.microsoft.com/office/drawing/2014/main" id="{2AFC41B4-66FD-0CFA-3FA4-4644ED7D77B4}"/>
+              </a:ext>
+            </a:extLst>
+          </p:cNvPr>
+          <p:cNvSpPr/>
+          <p:nvPr/>
+        </p:nvSpPr>
+        <p:spPr>
+          <a:xfrm>
+            <a:off x="8322065" y="1325366"/>
+            <a:ext cx="2578814" cy="606176"/>
+          </a:xfrm>
+          <a:prstGeom prst="borderCallout1">
+            <a:avLst>
+              <a:gd name="adj1" fmla="val 18750"/>
+              <a:gd name="adj2" fmla="val -8333"/>
+              <a:gd name="adj3" fmla="val 530992"/>
+              <a:gd name="adj4" fmla="val -225773"/>
+            </a:avLst>
+          </a:prstGeom>
+        </p:spPr>
+        <p:style>
+          <a:lnRef idx="2">
+            <a:schemeClr val="accent1">
+              <a:shade val="50000"/>
+            </a:schemeClr>
+          </a:lnRef>
+          <a:fillRef idx="1">
+            <a:schemeClr val="accent1"/>
+          </a:fillRef>
+          <a:effectRef idx="0">
+            <a:schemeClr val="accent1"/>
+          </a:effectRef>
+          <a:fontRef idx="minor">
+            <a:schemeClr val="lt1"/>
+          </a:fontRef>
+        </p:style>
+        <p:txBody>
+          <a:bodyPr rtlCol="0" anchor="ctr"/>
+          <a:lstStyle/>
+          <a:p>
+            <a:pPr algn="ctr"/>
+            <a:r>
+              <a:rPr lang="en-US" dirty="0"/>
+              <a:t>We need to create the Exchange</a:t>
+            </a:r>
+          </a:p>
+        </p:txBody>
+      </p:sp>
+      <p:sp>
+        <p:nvSpPr>
+          <p:cNvPr id="7" name="Line Callout 1 6">
+            <a:extLst>
+              <a:ext uri="{FF2B5EF4-FFF2-40B4-BE49-F238E27FC236}">
+                <a16:creationId xmlns:a16="http://schemas.microsoft.com/office/drawing/2014/main" id="{3BC3EDF5-EC17-DB03-5948-4EF3BC1EB8E4}"/>
+              </a:ext>
+            </a:extLst>
+          </p:cNvPr>
+          <p:cNvSpPr/>
+          <p:nvPr/>
+        </p:nvSpPr>
+        <p:spPr>
+          <a:xfrm>
+            <a:off x="8322065" y="2433263"/>
+            <a:ext cx="2578814" cy="606176"/>
+          </a:xfrm>
+          <a:prstGeom prst="borderCallout1">
+            <a:avLst>
+              <a:gd name="adj1" fmla="val 18750"/>
+              <a:gd name="adj2" fmla="val -8333"/>
+              <a:gd name="adj3" fmla="val 392009"/>
+              <a:gd name="adj4" fmla="val -224578"/>
+            </a:avLst>
+          </a:prstGeom>
+        </p:spPr>
+        <p:style>
+          <a:lnRef idx="2">
+            <a:schemeClr val="accent1">
+              <a:shade val="50000"/>
+            </a:schemeClr>
+          </a:lnRef>
+          <a:fillRef idx="1">
+            <a:schemeClr val="accent1"/>
+          </a:fillRef>
+          <a:effectRef idx="0">
+            <a:schemeClr val="accent1"/>
+          </a:effectRef>
+          <a:fontRef idx="minor">
+            <a:schemeClr val="lt1"/>
+          </a:fontRef>
+        </p:style>
+        <p:txBody>
+          <a:bodyPr rtlCol="0" anchor="ctr"/>
+          <a:lstStyle/>
+          <a:p>
+            <a:pPr algn="ctr"/>
+            <a:r>
+              <a:rPr lang="en-US" dirty="0"/>
+              <a:t>We need to create the Queue</a:t>
+            </a:r>
+          </a:p>
+        </p:txBody>
+      </p:sp>
+      <p:sp>
+        <p:nvSpPr>
+          <p:cNvPr id="8" name="Line Callout 1 7">
+            <a:extLst>
+              <a:ext uri="{FF2B5EF4-FFF2-40B4-BE49-F238E27FC236}">
+                <a16:creationId xmlns:a16="http://schemas.microsoft.com/office/drawing/2014/main" id="{2B4EDD7D-66FA-B615-880B-B4D4243D50A9}"/>
+              </a:ext>
+            </a:extLst>
+          </p:cNvPr>
+          <p:cNvSpPr/>
+          <p:nvPr/>
+        </p:nvSpPr>
+        <p:spPr>
+          <a:xfrm>
+            <a:off x="8525837" y="5658787"/>
+            <a:ext cx="2578814" cy="606176"/>
+          </a:xfrm>
+          <a:prstGeom prst="borderCallout1">
+            <a:avLst>
+              <a:gd name="adj1" fmla="val 18750"/>
+              <a:gd name="adj2" fmla="val -8333"/>
+              <a:gd name="adj3" fmla="val -77481"/>
+              <a:gd name="adj4" fmla="val -209837"/>
+            </a:avLst>
+          </a:prstGeom>
+        </p:spPr>
+        <p:style>
+          <a:lnRef idx="2">
+            <a:schemeClr val="accent1">
+              <a:shade val="50000"/>
+            </a:schemeClr>
+          </a:lnRef>
+          <a:fillRef idx="1">
+            <a:schemeClr val="accent1"/>
+          </a:fillRef>
+          <a:effectRef idx="0">
+            <a:schemeClr val="accent1"/>
+          </a:effectRef>
+          <a:fontRef idx="minor">
+            <a:schemeClr val="lt1"/>
+          </a:fontRef>
+        </p:style>
+        <p:txBody>
+          <a:bodyPr rtlCol="0" anchor="ctr"/>
+          <a:lstStyle/>
+          <a:p>
+            <a:pPr algn="ctr"/>
+            <a:r>
+              <a:rPr lang="en-US" dirty="0"/>
+              <a:t>We need to route messages to the Queue</a:t>
+            </a:r>
+          </a:p>
+        </p:txBody>
+      </p:sp>
+    </p:spTree>
+    <p:extLst>
+      <p:ext uri="{BB962C8B-B14F-4D97-AF65-F5344CB8AC3E}">
+        <p14:creationId xmlns:p14="http://schemas.microsoft.com/office/powerpoint/2010/main" val="3450350944"/>
+      </p:ext>
+    </p:extLst>
+  </p:cSld>
+  <p:clrMapOvr>
+    <a:masterClrMapping/>
+  </p:clrMapOvr>
+</p:sld>
+</file>
+
+<file path=ppt/slides/slide15.xml><?xml version="1.0" encoding="utf-8"?>
+<p:sld xmlns:a="http://schemas.openxmlformats.org/drawingml/2006/main" xmlns:r="http://schemas.openxmlformats.org/officeDocument/2006/relationships" xmlns:p="http://schemas.openxmlformats.org/presentationml/2006/main">
+  <p:cSld>
+    <p:spTree>
+      <p:nvGrpSpPr>
+        <p:cNvPr id="1" name=""/>
+        <p:cNvGrpSpPr/>
+        <p:nvPr/>
+      </p:nvGrpSpPr>
+      <p:grpSpPr>
+        <a:xfrm>
+          <a:off x="0" y="0"/>
+          <a:ext cx="0" cy="0"/>
+          <a:chOff x="0" y="0"/>
+          <a:chExt cx="0" cy="0"/>
+        </a:xfrm>
+      </p:grpSpPr>
+      <p:pic>
+        <p:nvPicPr>
+          <p:cNvPr id="7" name="Picture 6">
+            <a:extLst>
+              <a:ext uri="{FF2B5EF4-FFF2-40B4-BE49-F238E27FC236}">
+                <a16:creationId xmlns:a16="http://schemas.microsoft.com/office/drawing/2014/main" id="{D45E1E26-B2EE-B179-CEAC-6757EA9E36EF}"/>
+              </a:ext>
+            </a:extLst>
+          </p:cNvPr>
+          <p:cNvPicPr>
+            <a:picLocks noChangeAspect="1"/>
+          </p:cNvPicPr>
+          <p:nvPr/>
+        </p:nvPicPr>
+        <p:blipFill>
+          <a:blip r:embed="rId2"/>
+          <a:stretch>
+            <a:fillRect/>
+          </a:stretch>
+        </p:blipFill>
+        <p:spPr>
+          <a:xfrm>
+            <a:off x="1668961" y="2321231"/>
+            <a:ext cx="9190628" cy="1295230"/>
+          </a:xfrm>
+          <a:prstGeom prst="rect">
+            <a:avLst/>
+          </a:prstGeom>
+        </p:spPr>
+      </p:pic>
+      <p:sp>
+        <p:nvSpPr>
+          <p:cNvPr id="8" name="Line Callout 1 7">
+            <a:extLst>
+              <a:ext uri="{FF2B5EF4-FFF2-40B4-BE49-F238E27FC236}">
+                <a16:creationId xmlns:a16="http://schemas.microsoft.com/office/drawing/2014/main" id="{7DE21B77-431B-9396-D8F2-D1FB3B5B37EC}"/>
+              </a:ext>
+            </a:extLst>
+          </p:cNvPr>
+          <p:cNvSpPr/>
+          <p:nvPr/>
+        </p:nvSpPr>
+        <p:spPr>
+          <a:xfrm>
+            <a:off x="1068512" y="4682946"/>
+            <a:ext cx="10897456" cy="1626385"/>
+          </a:xfrm>
+          <a:prstGeom prst="borderCallout1">
+            <a:avLst>
+              <a:gd name="adj1" fmla="val -9628"/>
+              <a:gd name="adj2" fmla="val 38012"/>
+              <a:gd name="adj3" fmla="val -112565"/>
+              <a:gd name="adj4" fmla="val 42619"/>
+            </a:avLst>
+          </a:prstGeom>
+        </p:spPr>
+        <p:style>
+          <a:lnRef idx="2">
+            <a:schemeClr val="accent1">
+              <a:shade val="50000"/>
+            </a:schemeClr>
+          </a:lnRef>
+          <a:fillRef idx="1">
+            <a:schemeClr val="accent1"/>
+          </a:fillRef>
+          <a:effectRef idx="0">
+            <a:schemeClr val="accent1"/>
+          </a:effectRef>
+          <a:fontRef idx="minor">
+            <a:schemeClr val="lt1"/>
+          </a:fontRef>
+        </p:style>
+        <p:txBody>
+          <a:bodyPr rtlCol="0" anchor="ctr"/>
+          <a:lstStyle/>
+          <a:p>
+            <a:pPr algn="ctr"/>
+            <a:r>
+              <a:rPr lang="en-US" dirty="0"/>
+              <a:t>This polls for messages on the queue. </a:t>
+            </a:r>
+          </a:p>
+          <a:p>
+            <a:pPr algn="ctr"/>
+            <a:endParaRPr lang="en-US" dirty="0"/>
+          </a:p>
+          <a:p>
+            <a:pPr algn="ctr"/>
+            <a:r>
+              <a:rPr lang="en-US" dirty="0"/>
+              <a:t>We set </a:t>
+            </a:r>
+            <a:r>
+              <a:rPr lang="en-US" dirty="0" err="1"/>
+              <a:t>autoAck</a:t>
+            </a:r>
+            <a:r>
+              <a:rPr lang="en-US" dirty="0"/>
+              <a:t> to true so that  a message will be </a:t>
+            </a:r>
+            <a:r>
+              <a:rPr lang="en-US" dirty="0" err="1"/>
+              <a:t>acked</a:t>
+            </a:r>
+            <a:r>
+              <a:rPr lang="en-US" dirty="0"/>
+              <a:t> as soon as read.</a:t>
+            </a:r>
+          </a:p>
+          <a:p>
+            <a:pPr algn="ctr"/>
+            <a:endParaRPr lang="en-US" dirty="0"/>
+          </a:p>
+          <a:p>
+            <a:pPr algn="ctr"/>
+            <a:r>
+              <a:rPr lang="en-US" dirty="0"/>
+              <a:t>This is convenient, but carries the danger that if we crash, the work will be lost!</a:t>
+            </a:r>
+          </a:p>
+        </p:txBody>
+      </p:sp>
+      <p:sp>
+        <p:nvSpPr>
+          <p:cNvPr id="9" name="Rectangle 8">
+            <a:extLst>
+              <a:ext uri="{FF2B5EF4-FFF2-40B4-BE49-F238E27FC236}">
+                <a16:creationId xmlns:a16="http://schemas.microsoft.com/office/drawing/2014/main" id="{67C02641-B007-9C7F-B726-69F54E79F0AD}"/>
+              </a:ext>
+            </a:extLst>
+          </p:cNvPr>
+          <p:cNvSpPr/>
+          <p:nvPr/>
+        </p:nvSpPr>
+        <p:spPr>
+          <a:xfrm>
+            <a:off x="8056606" y="548669"/>
+            <a:ext cx="3484605" cy="827903"/>
+          </a:xfrm>
+          <a:prstGeom prst="rect">
+            <a:avLst/>
+          </a:prstGeom>
+        </p:spPr>
+        <p:style>
+          <a:lnRef idx="2">
+            <a:schemeClr val="accent1">
+              <a:shade val="50000"/>
+            </a:schemeClr>
+          </a:lnRef>
+          <a:fillRef idx="1">
+            <a:schemeClr val="accent1"/>
+          </a:fillRef>
+          <a:effectRef idx="0">
+            <a:schemeClr val="accent1"/>
+          </a:effectRef>
+          <a:fontRef idx="minor">
+            <a:schemeClr val="lt1"/>
+          </a:fontRef>
+        </p:style>
+        <p:txBody>
+          <a:bodyPr rtlCol="0" anchor="ctr"/>
+          <a:lstStyle/>
+          <a:p>
+            <a:pPr algn="ctr"/>
+            <a:r>
+              <a:rPr lang="en-US" dirty="0"/>
+              <a:t>You’ll need to do send as well!!</a:t>
+            </a:r>
+          </a:p>
+        </p:txBody>
+      </p:sp>
+    </p:spTree>
+    <p:extLst>
+      <p:ext uri="{BB962C8B-B14F-4D97-AF65-F5344CB8AC3E}">
+        <p14:creationId xmlns:p14="http://schemas.microsoft.com/office/powerpoint/2010/main" val="4286829831"/>
+      </p:ext>
+    </p:extLst>
+  </p:cSld>
+  <p:clrMapOvr>
+    <a:masterClrMapping/>
+  </p:clrMapOvr>
+</p:sld>
+</file>
+
+<file path=ppt/slides/slide16.xml><?xml version="1.0" encoding="utf-8"?>
+<p:sld xmlns:a="http://schemas.openxmlformats.org/drawingml/2006/main" xmlns:r="http://schemas.openxmlformats.org/officeDocument/2006/relationships" xmlns:p="http://schemas.openxmlformats.org/presentationml/2006/main">
+  <p:cSld>
+    <p:spTree>
+      <p:nvGrpSpPr>
+        <p:cNvPr id="1" name=""/>
+        <p:cNvGrpSpPr/>
+        <p:nvPr/>
+      </p:nvGrpSpPr>
+      <p:grpSpPr>
+        <a:xfrm>
+          <a:off x="0" y="0"/>
+          <a:ext cx="0" cy="0"/>
+          <a:chOff x="0" y="0"/>
+          <a:chExt cx="0" cy="0"/>
+        </a:xfrm>
+      </p:grpSpPr>
+      <p:sp>
+        <p:nvSpPr>
+          <p:cNvPr id="2" name="Title 1">
+            <a:extLst>
+              <a:ext uri="{FF2B5EF4-FFF2-40B4-BE49-F238E27FC236}">
+                <a16:creationId xmlns:a16="http://schemas.microsoft.com/office/drawing/2014/main" id="{6903090A-A2F8-3245-83D2-906C40387AE6}"/>
+              </a:ext>
+            </a:extLst>
+          </p:cNvPr>
+          <p:cNvSpPr>
+            <a:spLocks noGrp="1"/>
+          </p:cNvSpPr>
+          <p:nvPr>
+            <p:ph type="title"/>
+          </p:nvPr>
+        </p:nvSpPr>
+        <p:spPr>
+          <a:xfrm>
+            <a:off x="920393" y="2820650"/>
+            <a:ext cx="10515600" cy="1019317"/>
+          </a:xfrm>
+        </p:spPr>
+        <p:txBody>
+          <a:bodyPr/>
+          <a:lstStyle/>
+          <a:p>
+            <a:pPr algn="ctr"/>
+            <a:r>
+              <a:rPr lang="en-US" dirty="0"/>
+              <a:t>Go</a:t>
+            </a:r>
+          </a:p>
+        </p:txBody>
+      </p:sp>
+    </p:spTree>
+    <p:extLst>
+      <p:ext uri="{BB962C8B-B14F-4D97-AF65-F5344CB8AC3E}">
+        <p14:creationId xmlns:p14="http://schemas.microsoft.com/office/powerpoint/2010/main" val="4143598485"/>
+      </p:ext>
+    </p:extLst>
+  </p:cSld>
+  <p:clrMapOvr>
+    <a:masterClrMapping/>
+  </p:clrMapOvr>
+</p:sld>
+</file>
+
+<file path=ppt/slides/slide17.xml><?xml version="1.0" encoding="utf-8"?>
+<p:sld xmlns:a="http://schemas.openxmlformats.org/drawingml/2006/main" xmlns:r="http://schemas.openxmlformats.org/officeDocument/2006/relationships" xmlns:p="http://schemas.openxmlformats.org/presentationml/2006/main">
+  <p:cSld>
+    <p:spTree>
+      <p:nvGrpSpPr>
+        <p:cNvPr id="1" name=""/>
+        <p:cNvGrpSpPr/>
+        <p:nvPr/>
+      </p:nvGrpSpPr>
+      <p:grpSpPr>
+        <a:xfrm>
+          <a:off x="0" y="0"/>
+          <a:ext cx="0" cy="0"/>
+          <a:chOff x="0" y="0"/>
+          <a:chExt cx="0" cy="0"/>
+        </a:xfrm>
+      </p:grpSpPr>
+      <p:pic>
+        <p:nvPicPr>
+          <p:cNvPr id="7" name="Picture 6">
+            <a:extLst>
+              <a:ext uri="{FF2B5EF4-FFF2-40B4-BE49-F238E27FC236}">
+                <a16:creationId xmlns:a16="http://schemas.microsoft.com/office/drawing/2014/main" id="{3739FC52-7BE3-CE37-7F87-FB5B7951F353}"/>
+              </a:ext>
+            </a:extLst>
+          </p:cNvPr>
+          <p:cNvPicPr>
+            <a:picLocks noChangeAspect="1"/>
+          </p:cNvPicPr>
+          <p:nvPr/>
+        </p:nvPicPr>
+        <p:blipFill>
+          <a:blip r:embed="rId2"/>
+          <a:stretch>
+            <a:fillRect/>
+          </a:stretch>
+        </p:blipFill>
+        <p:spPr>
+          <a:xfrm>
+            <a:off x="4124467" y="296091"/>
+            <a:ext cx="3500827" cy="6483531"/>
+          </a:xfrm>
+          <a:prstGeom prst="rect">
+            <a:avLst/>
+          </a:prstGeom>
+        </p:spPr>
+      </p:pic>
+      <p:sp>
+        <p:nvSpPr>
+          <p:cNvPr id="8" name="Line Callout 1 7">
+            <a:extLst>
+              <a:ext uri="{FF2B5EF4-FFF2-40B4-BE49-F238E27FC236}">
+                <a16:creationId xmlns:a16="http://schemas.microsoft.com/office/drawing/2014/main" id="{6DB8AA27-F1CA-E769-93CF-3FE51A31DE5E}"/>
+              </a:ext>
+            </a:extLst>
+          </p:cNvPr>
+          <p:cNvSpPr/>
+          <p:nvPr/>
+        </p:nvSpPr>
+        <p:spPr>
+          <a:xfrm>
+            <a:off x="8209049" y="657546"/>
+            <a:ext cx="2578814" cy="606176"/>
+          </a:xfrm>
+          <a:prstGeom prst="borderCallout1">
+            <a:avLst>
+              <a:gd name="adj1" fmla="val 18750"/>
+              <a:gd name="adj2" fmla="val -8333"/>
+              <a:gd name="adj3" fmla="val 301312"/>
+              <a:gd name="adj4" fmla="val -136235"/>
+            </a:avLst>
+          </a:prstGeom>
+        </p:spPr>
+        <p:style>
+          <a:lnRef idx="2">
+            <a:schemeClr val="accent1">
+              <a:shade val="50000"/>
+            </a:schemeClr>
+          </a:lnRef>
+          <a:fillRef idx="1">
+            <a:schemeClr val="accent1"/>
+          </a:fillRef>
+          <a:effectRef idx="0">
+            <a:schemeClr val="accent1"/>
+          </a:effectRef>
+          <a:fontRef idx="minor">
+            <a:schemeClr val="lt1"/>
+          </a:fontRef>
+        </p:style>
+        <p:txBody>
+          <a:bodyPr rtlCol="0" anchor="ctr"/>
+          <a:lstStyle/>
+          <a:p>
+            <a:pPr algn="ctr"/>
+            <a:r>
+              <a:rPr lang="en-US" dirty="0"/>
+              <a:t>We need to create the Exchange</a:t>
+            </a:r>
+          </a:p>
+        </p:txBody>
+      </p:sp>
+      <p:sp>
+        <p:nvSpPr>
+          <p:cNvPr id="9" name="Line Callout 1 8">
+            <a:extLst>
+              <a:ext uri="{FF2B5EF4-FFF2-40B4-BE49-F238E27FC236}">
+                <a16:creationId xmlns:a16="http://schemas.microsoft.com/office/drawing/2014/main" id="{69C00C4B-86CC-7522-5968-27B46D746FB2}"/>
+              </a:ext>
+            </a:extLst>
+          </p:cNvPr>
+          <p:cNvSpPr/>
+          <p:nvPr/>
+        </p:nvSpPr>
+        <p:spPr>
+          <a:xfrm>
+            <a:off x="8525837" y="2931680"/>
+            <a:ext cx="2578814" cy="606176"/>
+          </a:xfrm>
+          <a:prstGeom prst="borderCallout1">
+            <a:avLst>
+              <a:gd name="adj1" fmla="val 18750"/>
+              <a:gd name="adj2" fmla="val -8333"/>
+              <a:gd name="adj3" fmla="val 225083"/>
+              <a:gd name="adj4" fmla="val -128722"/>
+            </a:avLst>
+          </a:prstGeom>
+        </p:spPr>
+        <p:style>
+          <a:lnRef idx="2">
+            <a:schemeClr val="accent1">
+              <a:shade val="50000"/>
+            </a:schemeClr>
+          </a:lnRef>
+          <a:fillRef idx="1">
+            <a:schemeClr val="accent1"/>
+          </a:fillRef>
+          <a:effectRef idx="0">
+            <a:schemeClr val="accent1"/>
+          </a:effectRef>
+          <a:fontRef idx="minor">
+            <a:schemeClr val="lt1"/>
+          </a:fontRef>
+        </p:style>
+        <p:txBody>
+          <a:bodyPr rtlCol="0" anchor="ctr"/>
+          <a:lstStyle/>
+          <a:p>
+            <a:pPr algn="ctr"/>
+            <a:r>
+              <a:rPr lang="en-US" dirty="0"/>
+              <a:t>We need to create a Queue</a:t>
+            </a:r>
+          </a:p>
+        </p:txBody>
+      </p:sp>
+      <p:sp>
+        <p:nvSpPr>
+          <p:cNvPr id="10" name="Line Callout 1 9">
+            <a:extLst>
+              <a:ext uri="{FF2B5EF4-FFF2-40B4-BE49-F238E27FC236}">
+                <a16:creationId xmlns:a16="http://schemas.microsoft.com/office/drawing/2014/main" id="{555B5D78-83A0-C068-761D-E434BFDCBED1}"/>
+              </a:ext>
+            </a:extLst>
+          </p:cNvPr>
+          <p:cNvSpPr/>
+          <p:nvPr/>
+        </p:nvSpPr>
+        <p:spPr>
+          <a:xfrm>
+            <a:off x="8525837" y="5658787"/>
+            <a:ext cx="2578814" cy="606176"/>
+          </a:xfrm>
+          <a:prstGeom prst="borderCallout1">
+            <a:avLst>
+              <a:gd name="adj1" fmla="val 18750"/>
+              <a:gd name="adj2" fmla="val -8333"/>
+              <a:gd name="adj3" fmla="val -1085"/>
+              <a:gd name="adj4" fmla="val -129857"/>
+            </a:avLst>
+          </a:prstGeom>
+        </p:spPr>
+        <p:style>
+          <a:lnRef idx="2">
+            <a:schemeClr val="accent1">
+              <a:shade val="50000"/>
+            </a:schemeClr>
+          </a:lnRef>
+          <a:fillRef idx="1">
+            <a:schemeClr val="accent1"/>
+          </a:fillRef>
+          <a:effectRef idx="0">
+            <a:schemeClr val="accent1"/>
+          </a:effectRef>
+          <a:fontRef idx="minor">
+            <a:schemeClr val="lt1"/>
+          </a:fontRef>
+        </p:style>
+        <p:txBody>
+          <a:bodyPr rtlCol="0" anchor="ctr"/>
+          <a:lstStyle/>
+          <a:p>
+            <a:pPr algn="ctr"/>
+            <a:r>
+              <a:rPr lang="en-US" dirty="0"/>
+              <a:t>We need to route messages to the Queue</a:t>
+            </a:r>
+          </a:p>
+        </p:txBody>
+      </p:sp>
+    </p:spTree>
+    <p:extLst>
+      <p:ext uri="{BB962C8B-B14F-4D97-AF65-F5344CB8AC3E}">
+        <p14:creationId xmlns:p14="http://schemas.microsoft.com/office/powerpoint/2010/main" val="2116905458"/>
       </p:ext>
     </p:extLst>
   </p:cSld>
